--- a/Beamer/test.pptx
+++ b/Beamer/test.pptx
@@ -202,7 +202,7 @@
           <a:p>
             <a:fld id="{9E12240E-F1A6-4A91-967F-8E68706835E0}" type="datetimeFigureOut">
               <a:rPr lang="en-HK" smtClean="0"/>
-              <a:t>3/1/2024</a:t>
+              <a:t>4/1/2024</a:t>
             </a:fld>
             <a:endParaRPr lang="en-HK"/>
           </a:p>
@@ -706,7 +706,7 @@
           <a:p>
             <a:fld id="{A662AB9F-F8D6-4D84-8C93-94B520C5C2D5}" type="datetimeFigureOut">
               <a:rPr lang="en-HK" smtClean="0"/>
-              <a:t>3/1/2024</a:t>
+              <a:t>4/1/2024</a:t>
             </a:fld>
             <a:endParaRPr lang="en-HK"/>
           </a:p>
@@ -906,7 +906,7 @@
           <a:p>
             <a:fld id="{A662AB9F-F8D6-4D84-8C93-94B520C5C2D5}" type="datetimeFigureOut">
               <a:rPr lang="en-HK" smtClean="0"/>
-              <a:t>3/1/2024</a:t>
+              <a:t>4/1/2024</a:t>
             </a:fld>
             <a:endParaRPr lang="en-HK"/>
           </a:p>
@@ -1116,7 +1116,7 @@
           <a:p>
             <a:fld id="{A662AB9F-F8D6-4D84-8C93-94B520C5C2D5}" type="datetimeFigureOut">
               <a:rPr lang="en-HK" smtClean="0"/>
-              <a:t>3/1/2024</a:t>
+              <a:t>4/1/2024</a:t>
             </a:fld>
             <a:endParaRPr lang="en-HK"/>
           </a:p>
@@ -1316,7 +1316,7 @@
           <a:p>
             <a:fld id="{A662AB9F-F8D6-4D84-8C93-94B520C5C2D5}" type="datetimeFigureOut">
               <a:rPr lang="en-HK" smtClean="0"/>
-              <a:t>3/1/2024</a:t>
+              <a:t>4/1/2024</a:t>
             </a:fld>
             <a:endParaRPr lang="en-HK"/>
           </a:p>
@@ -1592,7 +1592,7 @@
           <a:p>
             <a:fld id="{A662AB9F-F8D6-4D84-8C93-94B520C5C2D5}" type="datetimeFigureOut">
               <a:rPr lang="en-HK" smtClean="0"/>
-              <a:t>3/1/2024</a:t>
+              <a:t>4/1/2024</a:t>
             </a:fld>
             <a:endParaRPr lang="en-HK"/>
           </a:p>
@@ -1860,7 +1860,7 @@
           <a:p>
             <a:fld id="{A662AB9F-F8D6-4D84-8C93-94B520C5C2D5}" type="datetimeFigureOut">
               <a:rPr lang="en-HK" smtClean="0"/>
-              <a:t>3/1/2024</a:t>
+              <a:t>4/1/2024</a:t>
             </a:fld>
             <a:endParaRPr lang="en-HK"/>
           </a:p>
@@ -2275,7 +2275,7 @@
           <a:p>
             <a:fld id="{A662AB9F-F8D6-4D84-8C93-94B520C5C2D5}" type="datetimeFigureOut">
               <a:rPr lang="en-HK" smtClean="0"/>
-              <a:t>3/1/2024</a:t>
+              <a:t>4/1/2024</a:t>
             </a:fld>
             <a:endParaRPr lang="en-HK"/>
           </a:p>
@@ -2417,7 +2417,7 @@
           <a:p>
             <a:fld id="{A662AB9F-F8D6-4D84-8C93-94B520C5C2D5}" type="datetimeFigureOut">
               <a:rPr lang="en-HK" smtClean="0"/>
-              <a:t>3/1/2024</a:t>
+              <a:t>4/1/2024</a:t>
             </a:fld>
             <a:endParaRPr lang="en-HK"/>
           </a:p>
@@ -2530,7 +2530,7 @@
           <a:p>
             <a:fld id="{A662AB9F-F8D6-4D84-8C93-94B520C5C2D5}" type="datetimeFigureOut">
               <a:rPr lang="en-HK" smtClean="0"/>
-              <a:t>3/1/2024</a:t>
+              <a:t>4/1/2024</a:t>
             </a:fld>
             <a:endParaRPr lang="en-HK"/>
           </a:p>
@@ -2843,7 +2843,7 @@
           <a:p>
             <a:fld id="{A662AB9F-F8D6-4D84-8C93-94B520C5C2D5}" type="datetimeFigureOut">
               <a:rPr lang="en-HK" smtClean="0"/>
-              <a:t>3/1/2024</a:t>
+              <a:t>4/1/2024</a:t>
             </a:fld>
             <a:endParaRPr lang="en-HK"/>
           </a:p>
@@ -3132,7 +3132,7 @@
           <a:p>
             <a:fld id="{A662AB9F-F8D6-4D84-8C93-94B520C5C2D5}" type="datetimeFigureOut">
               <a:rPr lang="en-HK" smtClean="0"/>
-              <a:t>3/1/2024</a:t>
+              <a:t>4/1/2024</a:t>
             </a:fld>
             <a:endParaRPr lang="en-HK"/>
           </a:p>
@@ -3375,7 +3375,7 @@
           <a:p>
             <a:fld id="{A662AB9F-F8D6-4D84-8C93-94B520C5C2D5}" type="datetimeFigureOut">
               <a:rPr lang="en-HK" smtClean="0"/>
-              <a:t>3/1/2024</a:t>
+              <a:t>4/1/2024</a:t>
             </a:fld>
             <a:endParaRPr lang="en-HK"/>
           </a:p>
@@ -5686,10 +5686,10 @@
       </p:grpSpPr>
       <p:sp>
         <p:nvSpPr>
-          <p:cNvPr id="4" name="矩形 3">
-            <a:extLst>
-              <a:ext uri="{FF2B5EF4-FFF2-40B4-BE49-F238E27FC236}">
-                <a16:creationId xmlns:a16="http://schemas.microsoft.com/office/drawing/2014/main" id="{9F905760-8C03-B2E7-785A-A89F18BFD130}"/>
+          <p:cNvPr id="19" name="Rectangle: Rounded Corners 18">
+            <a:extLst>
+              <a:ext uri="{FF2B5EF4-FFF2-40B4-BE49-F238E27FC236}">
+                <a16:creationId xmlns:a16="http://schemas.microsoft.com/office/drawing/2014/main" id="{0E506726-EAE1-15AC-A66A-BE7A2DCB564B}"/>
               </a:ext>
             </a:extLst>
           </p:cNvPr>
@@ -5698,8 +5698,52 @@
         </p:nvSpPr>
         <p:spPr>
           <a:xfrm>
-            <a:off x="2169043" y="2323214"/>
-            <a:ext cx="1648046" cy="978195"/>
+            <a:off x="1647645" y="2191108"/>
+            <a:ext cx="4448355" cy="3036499"/>
+          </a:xfrm>
+          <a:prstGeom prst="roundRect">
+            <a:avLst/>
+          </a:prstGeom>
+        </p:spPr>
+        <p:style>
+          <a:lnRef idx="2">
+            <a:schemeClr val="accent1"/>
+          </a:lnRef>
+          <a:fillRef idx="1">
+            <a:schemeClr val="lt1"/>
+          </a:fillRef>
+          <a:effectRef idx="0">
+            <a:schemeClr val="accent1"/>
+          </a:effectRef>
+          <a:fontRef idx="minor">
+            <a:schemeClr val="dk1"/>
+          </a:fontRef>
+        </p:style>
+        <p:txBody>
+          <a:bodyPr rtlCol="0" anchor="ctr"/>
+          <a:lstStyle/>
+          <a:p>
+            <a:pPr algn="ctr"/>
+            <a:endParaRPr lang="en-HK" sz="1400"/>
+          </a:p>
+        </p:txBody>
+      </p:sp>
+      <p:sp>
+        <p:nvSpPr>
+          <p:cNvPr id="4" name="矩形 3">
+            <a:extLst>
+              <a:ext uri="{FF2B5EF4-FFF2-40B4-BE49-F238E27FC236}">
+                <a16:creationId xmlns:a16="http://schemas.microsoft.com/office/drawing/2014/main" id="{9F905760-8C03-B2E7-785A-A89F18BFD130}"/>
+              </a:ext>
+            </a:extLst>
+          </p:cNvPr>
+          <p:cNvSpPr/>
+          <p:nvPr/>
+        </p:nvSpPr>
+        <p:spPr>
+          <a:xfrm>
+            <a:off x="2169044" y="2438440"/>
+            <a:ext cx="1346818" cy="862969"/>
           </a:xfrm>
           <a:prstGeom prst="rect">
             <a:avLst/>
@@ -5727,10 +5771,10 @@
           <a:p>
             <a:pPr algn="ctr"/>
             <a:r>
-              <a:rPr lang="en-US" altLang="zh-CN" dirty="0"/>
+              <a:rPr lang="en-US" altLang="zh-CN" sz="1400" dirty="0"/>
               <a:t>The supply is not sufficient</a:t>
             </a:r>
-            <a:endParaRPr lang="zh-CN" altLang="en-US" dirty="0"/>
+            <a:endParaRPr lang="zh-CN" altLang="en-US" sz="1400" dirty="0"/>
           </a:p>
         </p:txBody>
       </p:sp>
@@ -5748,8 +5792,8 @@
         </p:nvSpPr>
         <p:spPr>
           <a:xfrm>
-            <a:off x="4990216" y="2323214"/>
-            <a:ext cx="1648046" cy="978195"/>
+            <a:off x="4478489" y="2455427"/>
+            <a:ext cx="1346818" cy="862969"/>
           </a:xfrm>
           <a:prstGeom prst="rect">
             <a:avLst/>
@@ -5777,10 +5821,10 @@
           <a:p>
             <a:pPr algn="ctr"/>
             <a:r>
-              <a:rPr lang="en-US" altLang="zh-CN" dirty="0"/>
-              <a:t>Group-type Control</a:t>
-            </a:r>
-            <a:endParaRPr lang="zh-CN" altLang="en-US" dirty="0"/>
+              <a:rPr lang="en-US" altLang="zh-CN" sz="1400" dirty="0"/>
+              <a:t>Find the larger planned seats</a:t>
+            </a:r>
+            <a:endParaRPr lang="zh-CN" altLang="en-US" sz="1400" dirty="0"/>
           </a:p>
         </p:txBody>
       </p:sp>
@@ -5798,8 +5842,8 @@
         </p:nvSpPr>
         <p:spPr>
           <a:xfrm>
-            <a:off x="7811389" y="2323213"/>
-            <a:ext cx="1648046" cy="978195"/>
+            <a:off x="6776245" y="2445831"/>
+            <a:ext cx="1346818" cy="862969"/>
           </a:xfrm>
           <a:prstGeom prst="rect">
             <a:avLst/>
@@ -5827,10 +5871,10 @@
           <a:p>
             <a:pPr algn="ctr"/>
             <a:r>
-              <a:rPr lang="en-US" altLang="zh-CN" dirty="0"/>
+              <a:rPr lang="en-US" altLang="zh-CN" sz="1400" dirty="0"/>
               <a:t>Break tie to select one row</a:t>
             </a:r>
-            <a:endParaRPr lang="zh-CN" altLang="en-US" dirty="0"/>
+            <a:endParaRPr lang="zh-CN" altLang="en-US" sz="1400" dirty="0"/>
           </a:p>
         </p:txBody>
       </p:sp>
@@ -5848,8 +5892,8 @@
         </p:nvSpPr>
         <p:spPr>
           <a:xfrm>
-            <a:off x="4102397" y="2759149"/>
-            <a:ext cx="611372" cy="228600"/>
+            <a:off x="3708170" y="2786076"/>
+            <a:ext cx="499626" cy="201672"/>
           </a:xfrm>
           <a:prstGeom prst="rightArrow">
             <a:avLst/>
@@ -5879,7 +5923,7 @@
           <a:lstStyle/>
           <a:p>
             <a:pPr algn="ctr"/>
-            <a:endParaRPr lang="zh-CN" altLang="en-US" b="1" dirty="0">
+            <a:endParaRPr lang="zh-CN" altLang="en-US" sz="1400" b="1" dirty="0">
               <a:ln w="22225">
                 <a:solidFill>
                   <a:schemeClr val="accent2"/>
@@ -5910,8 +5954,8 @@
         </p:nvSpPr>
         <p:spPr>
           <a:xfrm>
-            <a:off x="6914709" y="2759149"/>
-            <a:ext cx="611372" cy="228600"/>
+            <a:off x="6203699" y="2786076"/>
+            <a:ext cx="499626" cy="201672"/>
           </a:xfrm>
           <a:prstGeom prst="rightArrow">
             <a:avLst/>
@@ -5941,7 +5985,7 @@
           <a:lstStyle/>
           <a:p>
             <a:pPr algn="ctr"/>
-            <a:endParaRPr lang="zh-CN" altLang="en-US"/>
+            <a:endParaRPr lang="zh-CN" altLang="en-US" sz="1400"/>
           </a:p>
         </p:txBody>
       </p:sp>
@@ -5959,8 +6003,8 @@
         </p:nvSpPr>
         <p:spPr>
           <a:xfrm>
-            <a:off x="9672085" y="2759149"/>
-            <a:ext cx="611372" cy="228600"/>
+            <a:off x="8219361" y="2766416"/>
+            <a:ext cx="499626" cy="201672"/>
           </a:xfrm>
           <a:prstGeom prst="rightArrow">
             <a:avLst/>
@@ -5990,7 +6034,7 @@
           <a:lstStyle/>
           <a:p>
             <a:pPr algn="ctr"/>
-            <a:endParaRPr lang="zh-CN" altLang="en-US"/>
+            <a:endParaRPr lang="zh-CN" altLang="en-US" sz="1400"/>
           </a:p>
         </p:txBody>
       </p:sp>
@@ -6008,8 +6052,8 @@
         </p:nvSpPr>
         <p:spPr>
           <a:xfrm>
-            <a:off x="10496107" y="2323213"/>
-            <a:ext cx="1648046" cy="978195"/>
+            <a:off x="8787113" y="2455427"/>
+            <a:ext cx="1956627" cy="862969"/>
           </a:xfrm>
           <a:prstGeom prst="rect">
             <a:avLst/>
@@ -6037,10 +6081,10 @@
           <a:p>
             <a:pPr algn="ctr"/>
             <a:r>
-              <a:rPr lang="en-US" altLang="zh-CN" dirty="0"/>
-              <a:t>Values of stochastic programming </a:t>
-            </a:r>
-            <a:endParaRPr lang="zh-CN" altLang="en-US" dirty="0"/>
+              <a:rPr lang="en-US" altLang="zh-CN" sz="1400" dirty="0"/>
+              <a:t>Make the decision based on the values of stochastic programming </a:t>
+            </a:r>
+            <a:endParaRPr lang="zh-CN" altLang="en-US" sz="1400" dirty="0"/>
           </a:p>
         </p:txBody>
       </p:sp>
@@ -6058,8 +6102,8 @@
         </p:nvSpPr>
         <p:spPr>
           <a:xfrm>
-            <a:off x="4102397" y="4107712"/>
-            <a:ext cx="611372" cy="228600"/>
+            <a:off x="3712788" y="4288656"/>
+            <a:ext cx="499626" cy="201672"/>
           </a:xfrm>
           <a:prstGeom prst="rightArrow">
             <a:avLst/>
@@ -6089,7 +6133,7 @@
           <a:lstStyle/>
           <a:p>
             <a:pPr algn="ctr"/>
-            <a:endParaRPr lang="zh-CN" altLang="en-US"/>
+            <a:endParaRPr lang="zh-CN" altLang="en-US" sz="1400"/>
           </a:p>
         </p:txBody>
       </p:sp>
@@ -6107,8 +6151,8 @@
         </p:nvSpPr>
         <p:spPr>
           <a:xfrm>
-            <a:off x="134680" y="3166731"/>
-            <a:ext cx="1226287" cy="756683"/>
+            <a:off x="253395" y="3275897"/>
+            <a:ext cx="1073110" cy="667550"/>
           </a:xfrm>
           <a:prstGeom prst="rect">
             <a:avLst/>
@@ -6136,10 +6180,10 @@
           <a:p>
             <a:pPr algn="ctr"/>
             <a:r>
-              <a:rPr lang="en-US" altLang="zh-CN" dirty="0"/>
+              <a:rPr lang="en-US" altLang="zh-CN" sz="1400" dirty="0"/>
               <a:t>Group arrivals</a:t>
             </a:r>
-            <a:endParaRPr lang="zh-CN" altLang="en-US" dirty="0"/>
+            <a:endParaRPr lang="zh-CN" altLang="en-US" sz="1400" dirty="0"/>
           </a:p>
         </p:txBody>
       </p:sp>
@@ -6157,8 +6201,8 @@
         </p:nvSpPr>
         <p:spPr>
           <a:xfrm>
-            <a:off x="2169043" y="3847214"/>
-            <a:ext cx="1648046" cy="978195"/>
+            <a:off x="2169044" y="3962440"/>
+            <a:ext cx="1346818" cy="862969"/>
           </a:xfrm>
           <a:prstGeom prst="rect">
             <a:avLst/>
@@ -6186,10 +6230,10 @@
           <a:p>
             <a:pPr algn="ctr"/>
             <a:r>
-              <a:rPr lang="en-US" altLang="zh-CN" dirty="0"/>
+              <a:rPr lang="en-US" altLang="zh-CN" sz="1400" dirty="0"/>
               <a:t>The supply is sufficient</a:t>
             </a:r>
-            <a:endParaRPr lang="zh-CN" altLang="en-US" dirty="0"/>
+            <a:endParaRPr lang="zh-CN" altLang="en-US" sz="1400" dirty="0"/>
           </a:p>
         </p:txBody>
       </p:sp>
@@ -6207,8 +6251,8 @@
         </p:nvSpPr>
         <p:spPr>
           <a:xfrm>
-            <a:off x="4990216" y="3842782"/>
-            <a:ext cx="1648046" cy="978195"/>
+            <a:off x="4458938" y="3943447"/>
+            <a:ext cx="1346818" cy="862969"/>
           </a:xfrm>
           <a:prstGeom prst="rect">
             <a:avLst/>
@@ -6236,10 +6280,10 @@
           <a:p>
             <a:pPr algn="ctr"/>
             <a:r>
-              <a:rPr lang="en-US" altLang="zh-CN" dirty="0"/>
+              <a:rPr lang="en-US" altLang="zh-CN" sz="1400" dirty="0"/>
               <a:t>Accept directly</a:t>
             </a:r>
-            <a:endParaRPr lang="zh-CN" altLang="en-US" dirty="0"/>
+            <a:endParaRPr lang="zh-CN" altLang="en-US" sz="1400" dirty="0"/>
           </a:p>
         </p:txBody>
       </p:sp>
@@ -6257,8 +6301,8 @@
         </p:nvSpPr>
         <p:spPr>
           <a:xfrm rot="20346482">
-            <a:off x="1459319" y="2913805"/>
-            <a:ext cx="611372" cy="228600"/>
+            <a:off x="1467794" y="2959772"/>
+            <a:ext cx="499626" cy="201672"/>
           </a:xfrm>
           <a:prstGeom prst="rightArrow">
             <a:avLst/>
@@ -6288,7 +6332,7 @@
           <a:lstStyle/>
           <a:p>
             <a:pPr algn="ctr"/>
-            <a:endParaRPr lang="zh-CN" altLang="en-US" b="1" dirty="0">
+            <a:endParaRPr lang="zh-CN" altLang="en-US" sz="1400" b="1" dirty="0">
               <a:ln w="22225">
                 <a:solidFill>
                   <a:schemeClr val="accent2"/>
@@ -6319,8 +6363,8 @@
         </p:nvSpPr>
         <p:spPr>
           <a:xfrm>
-            <a:off x="7811389" y="3842783"/>
-            <a:ext cx="1648046" cy="978195"/>
+            <a:off x="6776166" y="3962440"/>
+            <a:ext cx="1346818" cy="862969"/>
           </a:xfrm>
           <a:prstGeom prst="rect">
             <a:avLst/>
@@ -6348,10 +6392,10 @@
           <a:p>
             <a:pPr algn="ctr"/>
             <a:r>
-              <a:rPr lang="en-US" altLang="zh-CN" dirty="0"/>
+              <a:rPr lang="en-US" altLang="zh-CN" sz="1400" dirty="0"/>
               <a:t>Break tie to select one row</a:t>
             </a:r>
-            <a:endParaRPr lang="zh-CN" altLang="en-US" dirty="0"/>
+            <a:endParaRPr lang="zh-CN" altLang="en-US" sz="1400" dirty="0"/>
           </a:p>
         </p:txBody>
       </p:sp>
@@ -6369,8 +6413,8 @@
         </p:nvSpPr>
         <p:spPr>
           <a:xfrm rot="1599993">
-            <a:off x="1457438" y="4107711"/>
-            <a:ext cx="611372" cy="228600"/>
+            <a:off x="1457338" y="4108132"/>
+            <a:ext cx="499626" cy="201672"/>
           </a:xfrm>
           <a:prstGeom prst="rightArrow">
             <a:avLst/>
@@ -6400,7 +6444,7 @@
           <a:lstStyle/>
           <a:p>
             <a:pPr algn="ctr"/>
-            <a:endParaRPr lang="zh-CN" altLang="en-US" b="1" dirty="0">
+            <a:endParaRPr lang="zh-CN" altLang="en-US" sz="1400" b="1" dirty="0">
               <a:ln w="22225">
                 <a:solidFill>
                   <a:schemeClr val="accent2"/>
@@ -6431,8 +6475,8 @@
         </p:nvSpPr>
         <p:spPr>
           <a:xfrm>
-            <a:off x="6914709" y="4217579"/>
-            <a:ext cx="611372" cy="228600"/>
+            <a:off x="6203699" y="4210850"/>
+            <a:ext cx="499626" cy="201672"/>
           </a:xfrm>
           <a:prstGeom prst="rightArrow">
             <a:avLst/>
@@ -6462,7 +6506,103 @@
           <a:lstStyle/>
           <a:p>
             <a:pPr algn="ctr"/>
-            <a:endParaRPr lang="zh-CN" altLang="en-US"/>
+            <a:endParaRPr lang="zh-CN" altLang="en-US" sz="1400"/>
+          </a:p>
+        </p:txBody>
+      </p:sp>
+      <p:sp>
+        <p:nvSpPr>
+          <p:cNvPr id="2" name="矩形 11">
+            <a:extLst>
+              <a:ext uri="{FF2B5EF4-FFF2-40B4-BE49-F238E27FC236}">
+                <a16:creationId xmlns:a16="http://schemas.microsoft.com/office/drawing/2014/main" id="{C33084D1-BE9B-5FBC-EE79-C2446BF6449B}"/>
+              </a:ext>
+            </a:extLst>
+          </p:cNvPr>
+          <p:cNvSpPr/>
+          <p:nvPr/>
+        </p:nvSpPr>
+        <p:spPr>
+          <a:xfrm>
+            <a:off x="3421427" y="699224"/>
+            <a:ext cx="1073110" cy="667550"/>
+          </a:xfrm>
+          <a:prstGeom prst="rect">
+            <a:avLst/>
+          </a:prstGeom>
+        </p:spPr>
+        <p:style>
+          <a:lnRef idx="2">
+            <a:schemeClr val="accent1">
+              <a:shade val="15000"/>
+            </a:schemeClr>
+          </a:lnRef>
+          <a:fillRef idx="1">
+            <a:schemeClr val="accent1"/>
+          </a:fillRef>
+          <a:effectRef idx="0">
+            <a:schemeClr val="accent1"/>
+          </a:effectRef>
+          <a:fontRef idx="minor">
+            <a:schemeClr val="lt1"/>
+          </a:fontRef>
+        </p:style>
+        <p:txBody>
+          <a:bodyPr rtlCol="0" anchor="ctr"/>
+          <a:lstStyle/>
+          <a:p>
+            <a:pPr algn="ctr"/>
+            <a:r>
+              <a:rPr lang="en-US" altLang="zh-CN" sz="1400" dirty="0"/>
+              <a:t>Group-type Control</a:t>
+            </a:r>
+            <a:endParaRPr lang="zh-CN" altLang="en-US" sz="1400" dirty="0"/>
+          </a:p>
+        </p:txBody>
+      </p:sp>
+      <p:sp>
+        <p:nvSpPr>
+          <p:cNvPr id="20" name="Arrow: Down 19">
+            <a:extLst>
+              <a:ext uri="{FF2B5EF4-FFF2-40B4-BE49-F238E27FC236}">
+                <a16:creationId xmlns:a16="http://schemas.microsoft.com/office/drawing/2014/main" id="{622C9088-0E8D-0CE3-A015-0A768B9254E2}"/>
+              </a:ext>
+            </a:extLst>
+          </p:cNvPr>
+          <p:cNvSpPr/>
+          <p:nvPr/>
+        </p:nvSpPr>
+        <p:spPr>
+          <a:xfrm>
+            <a:off x="3838755" y="1581290"/>
+            <a:ext cx="175631" cy="380451"/>
+          </a:xfrm>
+          <a:prstGeom prst="downArrow">
+            <a:avLst/>
+          </a:prstGeom>
+        </p:spPr>
+        <p:style>
+          <a:lnRef idx="2">
+            <a:schemeClr val="accent2">
+              <a:shade val="15000"/>
+            </a:schemeClr>
+          </a:lnRef>
+          <a:fillRef idx="1">
+            <a:schemeClr val="accent2"/>
+          </a:fillRef>
+          <a:effectRef idx="0">
+            <a:schemeClr val="accent2"/>
+          </a:effectRef>
+          <a:fontRef idx="minor">
+            <a:schemeClr val="lt1"/>
+          </a:fontRef>
+        </p:style>
+        <p:txBody>
+          <a:bodyPr rtlCol="0" anchor="ctr"/>
+          <a:lstStyle/>
+          <a:p>
+            <a:pPr algn="ctr"/>
+            <a:endParaRPr lang="en-HK" sz="1400"/>
           </a:p>
         </p:txBody>
       </p:sp>
